--- a/description.pptx
+++ b/description.pptx
@@ -3332,7 +3332,7 @@
         </p:nvSpPr>
         <p:spPr>
           <a:xfrm>
-            <a:off x="1143000" y="4705564"/>
+            <a:off x="1173821" y="4201515"/>
             <a:ext cx="6858000" cy="552236"/>
           </a:xfrm>
         </p:spPr>
@@ -3357,6 +3357,45 @@
             <a:r>
               <a:rPr kumimoji="1" lang="ja-JP" altLang="en-US" sz="4000"/>
               <a:t>下野寿之</a:t>
+            </a:r>
+          </a:p>
+        </p:txBody>
+      </p:sp>
+      <p:sp>
+        <p:nvSpPr>
+          <p:cNvPr id="4" name="テキスト ボックス 3">
+            <a:extLst>
+              <a:ext uri="{FF2B5EF4-FFF2-40B4-BE49-F238E27FC236}">
+                <a16:creationId xmlns:a16="http://schemas.microsoft.com/office/drawing/2014/main" id="{641BCCBE-0D33-04A6-5DE6-D7AF0793EB39}"/>
+              </a:ext>
+            </a:extLst>
+          </p:cNvPr>
+          <p:cNvSpPr txBox="1"/>
+          <p:nvPr/>
+        </p:nvSpPr>
+        <p:spPr>
+          <a:xfrm>
+            <a:off x="1972637" y="5445303"/>
+            <a:ext cx="5260369" cy="923330"/>
+          </a:xfrm>
+          <a:prstGeom prst="rect">
+            <a:avLst/>
+          </a:prstGeom>
+          <a:noFill/>
+        </p:spPr>
+        <p:txBody>
+          <a:bodyPr wrap="square" rtlCol="0">
+            <a:spAutoFit/>
+          </a:bodyPr>
+          <a:lstStyle/>
+          <a:p>
+            <a:r>
+              <a:rPr kumimoji="1" lang="ja-JP" altLang="en-US" b="1">
+                <a:solidFill>
+                  <a:srgbClr val="C00000"/>
+                </a:solidFill>
+              </a:rPr>
+              <a:t>同一バイトサイズのファイルを見つけ出すコマンドであり、オプションで、同一内容のファイルを見つけ、必要に応じ除去するコマンド である。</a:t>
             </a:r>
           </a:p>
         </p:txBody>
